--- a/documentation/osehra-netserv-070115.pptx
+++ b/documentation/osehra-netserv-070115.pptx
@@ -149,6 +149,22 @@
       </a:defRPr>
     </a:lvl9pPr>
   </p:defaultTextStyle>
+  <p:extLst>
+    <p:ext uri="{EFAFB233-063F-42B5-8137-9DF3F51BA10A}">
+      <p15:sldGuideLst xmlns:p15="http://schemas.microsoft.com/office/powerpoint/2012/main">
+        <p15:guide id="1" orient="horz" pos="2160">
+          <p15:clr>
+            <a:srgbClr val="A4A3A4"/>
+          </p15:clr>
+        </p15:guide>
+        <p15:guide id="2" pos="2880">
+          <p15:clr>
+            <a:srgbClr val="A4A3A4"/>
+          </p15:clr>
+        </p15:guide>
+      </p15:sldGuideLst>
+    </p:ext>
+  </p:extLst>
 </p:presentation>
 </file>
 
@@ -263,7 +279,7 @@
               <a:pPr>
                 <a:defRPr/>
               </a:pPr>
-              <a:t>7/2/15</a:t>
+              <a:t>8/12/16</a:t>
             </a:fld>
             <a:endParaRPr lang="en-US"/>
           </a:p>
@@ -628,16 +644,16 @@
             <a:tailEnd/>
           </a:ln>
           <a:extLst>
+            <a:ext uri="{FAA26D3D-D897-4be2-8F04-BA451C77F1D7}">
+              <ma14:placeholderFlag xmlns:ma14="http://schemas.microsoft.com/office/mac/drawingml/2011/main" val="1"/>
+            </a:ext>
             <a:ext uri="{909E8E84-426E-40dd-AFC4-6F175D3DCCD1}">
-              <a14:hiddenFill xmlns:a14="http://schemas.microsoft.com/office/drawing/2010/main">
+              <a14:hiddenFill xmlns:a14="http://schemas.microsoft.com/office/drawing/2010/main" xmlns="">
                 <a:solidFill>
                   <a:srgbClr val="FFFFFF"/>
                 </a:solidFill>
               </a14:hiddenFill>
             </a:ext>
-            <a:ext uri="{FAA26D3D-D897-4be2-8F04-BA451C77F1D7}">
-              <ma14:placeholderFlag xmlns:ma14="http://schemas.microsoft.com/office/mac/drawingml/2011/main" val="1"/>
-            </a:ext>
           </a:extLst>
         </p:spPr>
       </p:sp>
@@ -655,14 +671,14 @@
           <a:noFill/>
           <a:extLst>
             <a:ext uri="{909E8E84-426E-40dd-AFC4-6F175D3DCCD1}">
-              <a14:hiddenFill xmlns:a14="http://schemas.microsoft.com/office/drawing/2010/main">
+              <a14:hiddenFill xmlns:a14="http://schemas.microsoft.com/office/drawing/2010/main" xmlns="">
                 <a:solidFill>
                   <a:srgbClr val="FFFFFF"/>
                 </a:solidFill>
               </a14:hiddenFill>
             </a:ext>
             <a:ext uri="{91240B29-F687-4f45-9708-019B960494DF}">
-              <a14:hiddenLine xmlns:a14="http://schemas.microsoft.com/office/drawing/2010/main" w="9525">
+              <a14:hiddenLine xmlns:a14="http://schemas.microsoft.com/office/drawing/2010/main" xmlns="" w="9525">
                 <a:solidFill>
                   <a:srgbClr val="000000"/>
                 </a:solidFill>
@@ -709,14 +725,14 @@
           <a:noFill/>
           <a:extLst>
             <a:ext uri="{909E8E84-426E-40dd-AFC4-6F175D3DCCD1}">
-              <a14:hiddenFill xmlns:a14="http://schemas.microsoft.com/office/drawing/2010/main">
+              <a14:hiddenFill xmlns:a14="http://schemas.microsoft.com/office/drawing/2010/main" xmlns="">
                 <a:solidFill>
                   <a:srgbClr val="FFFFFF"/>
                 </a:solidFill>
               </a14:hiddenFill>
             </a:ext>
             <a:ext uri="{91240B29-F687-4f45-9708-019B960494DF}">
-              <a14:hiddenLine xmlns:a14="http://schemas.microsoft.com/office/drawing/2010/main" w="9525">
+              <a14:hiddenLine xmlns:a14="http://schemas.microsoft.com/office/drawing/2010/main" xmlns="" w="9525">
                 <a:solidFill>
                   <a:srgbClr val="000000"/>
                 </a:solidFill>
@@ -867,6 +883,11 @@
         </p:txBody>
       </p:sp>
     </p:spTree>
+    <p:extLst>
+      <p:ext uri="{BB962C8B-B14F-4D97-AF65-F5344CB8AC3E}">
+        <p14:creationId xmlns:p14="http://schemas.microsoft.com/office/powerpoint/2010/main" val="1668613488"/>
+      </p:ext>
+    </p:extLst>
   </p:cSld>
   <p:clrMapOvr>
     <a:masterClrMapping/>
@@ -1065,7 +1086,7 @@
               <a:pPr>
                 <a:defRPr/>
               </a:pPr>
-              <a:t>7/2/15</a:t>
+              <a:t>8/12/16</a:t>
             </a:fld>
             <a:endParaRPr lang="en-US"/>
           </a:p>
@@ -1262,7 +1283,7 @@
               <a:pPr>
                 <a:defRPr/>
               </a:pPr>
-              <a:t>7/2/15</a:t>
+              <a:t>8/12/16</a:t>
             </a:fld>
             <a:endParaRPr lang="en-US"/>
           </a:p>
@@ -1469,7 +1490,7 @@
               <a:pPr>
                 <a:defRPr/>
               </a:pPr>
-              <a:t>7/2/15</a:t>
+              <a:t>8/12/16</a:t>
             </a:fld>
             <a:endParaRPr lang="en-US"/>
           </a:p>
@@ -1666,7 +1687,7 @@
               <a:pPr>
                 <a:defRPr/>
               </a:pPr>
-              <a:t>7/2/15</a:t>
+              <a:t>8/12/16</a:t>
             </a:fld>
             <a:endParaRPr lang="en-US"/>
           </a:p>
@@ -1939,7 +1960,7 @@
               <a:pPr>
                 <a:defRPr/>
               </a:pPr>
-              <a:t>7/2/15</a:t>
+              <a:t>8/12/16</a:t>
             </a:fld>
             <a:endParaRPr lang="en-US"/>
           </a:p>
@@ -2254,7 +2275,7 @@
               <a:pPr>
                 <a:defRPr/>
               </a:pPr>
-              <a:t>7/2/15</a:t>
+              <a:t>8/12/16</a:t>
             </a:fld>
             <a:endParaRPr lang="en-US"/>
           </a:p>
@@ -2703,7 +2724,7 @@
               <a:pPr>
                 <a:defRPr/>
               </a:pPr>
-              <a:t>7/2/15</a:t>
+              <a:t>8/12/16</a:t>
             </a:fld>
             <a:endParaRPr lang="en-US"/>
           </a:p>
@@ -2848,7 +2869,7 @@
               <a:pPr>
                 <a:defRPr/>
               </a:pPr>
-              <a:t>7/2/15</a:t>
+              <a:t>8/12/16</a:t>
             </a:fld>
             <a:endParaRPr lang="en-US"/>
           </a:p>
@@ -2970,7 +2991,7 @@
               <a:pPr>
                 <a:defRPr/>
               </a:pPr>
-              <a:t>7/2/15</a:t>
+              <a:t>8/12/16</a:t>
             </a:fld>
             <a:endParaRPr lang="en-US"/>
           </a:p>
@@ -3274,7 +3295,7 @@
               <a:pPr>
                 <a:defRPr/>
               </a:pPr>
-              <a:t>7/2/15</a:t>
+              <a:t>8/12/16</a:t>
             </a:fld>
             <a:endParaRPr lang="en-US"/>
           </a:p>
@@ -3557,7 +3578,7 @@
               <a:pPr>
                 <a:defRPr/>
               </a:pPr>
-              <a:t>7/2/15</a:t>
+              <a:t>8/12/16</a:t>
             </a:fld>
             <a:endParaRPr lang="en-US"/>
           </a:p>
@@ -3698,15 +3719,18 @@
             <a:noFill/>
           </a:ln>
           <a:extLst>
+            <a:ext uri="{FAA26D3D-D897-4be2-8F04-BA451C77F1D7}">
+              <ma14:placeholderFlag xmlns:ma14="http://schemas.microsoft.com/office/mac/drawingml/2011/main" val="1"/>
+            </a:ext>
             <a:ext uri="{909E8E84-426E-40dd-AFC4-6F175D3DCCD1}">
-              <a14:hiddenFill xmlns:a14="http://schemas.microsoft.com/office/drawing/2010/main">
+              <a14:hiddenFill xmlns:a14="http://schemas.microsoft.com/office/drawing/2010/main" xmlns="">
                 <a:solidFill>
                   <a:srgbClr val="FFFFFF"/>
                 </a:solidFill>
               </a14:hiddenFill>
             </a:ext>
             <a:ext uri="{91240B29-F687-4f45-9708-019B960494DF}">
-              <a14:hiddenLine xmlns:a14="http://schemas.microsoft.com/office/drawing/2010/main" w="9525">
+              <a14:hiddenLine xmlns:a14="http://schemas.microsoft.com/office/drawing/2010/main" xmlns="" w="9525">
                 <a:solidFill>
                   <a:srgbClr val="000000"/>
                 </a:solidFill>
@@ -3714,9 +3738,6 @@
                 <a:headEnd/>
                 <a:tailEnd/>
               </a14:hiddenLine>
-            </a:ext>
-            <a:ext uri="{FAA26D3D-D897-4be2-8F04-BA451C77F1D7}">
-              <ma14:placeholderFlag xmlns:ma14="http://schemas.microsoft.com/office/mac/drawingml/2011/main" val="1"/>
             </a:ext>
           </a:extLst>
         </p:spPr>
@@ -3759,15 +3780,18 @@
             <a:noFill/>
           </a:ln>
           <a:extLst>
+            <a:ext uri="{FAA26D3D-D897-4be2-8F04-BA451C77F1D7}">
+              <ma14:placeholderFlag xmlns:ma14="http://schemas.microsoft.com/office/mac/drawingml/2011/main" val="1"/>
+            </a:ext>
             <a:ext uri="{909E8E84-426E-40dd-AFC4-6F175D3DCCD1}">
-              <a14:hiddenFill xmlns:a14="http://schemas.microsoft.com/office/drawing/2010/main">
+              <a14:hiddenFill xmlns:a14="http://schemas.microsoft.com/office/drawing/2010/main" xmlns="">
                 <a:solidFill>
                   <a:srgbClr val="FFFFFF"/>
                 </a:solidFill>
               </a14:hiddenFill>
             </a:ext>
             <a:ext uri="{91240B29-F687-4f45-9708-019B960494DF}">
-              <a14:hiddenLine xmlns:a14="http://schemas.microsoft.com/office/drawing/2010/main" w="9525">
+              <a14:hiddenLine xmlns:a14="http://schemas.microsoft.com/office/drawing/2010/main" xmlns="" w="9525">
                 <a:solidFill>
                   <a:srgbClr val="000000"/>
                 </a:solidFill>
@@ -3775,9 +3799,6 @@
                 <a:headEnd/>
                 <a:tailEnd/>
               </a14:hiddenLine>
-            </a:ext>
-            <a:ext uri="{FAA26D3D-D897-4be2-8F04-BA451C77F1D7}">
-              <ma14:placeholderFlag xmlns:ma14="http://schemas.microsoft.com/office/mac/drawingml/2011/main" val="1"/>
             </a:ext>
           </a:extLst>
         </p:spPr>
@@ -3875,7 +3896,7 @@
               <a:pPr>
                 <a:defRPr/>
               </a:pPr>
-              <a:t>7/2/15</a:t>
+              <a:t>8/12/16</a:t>
             </a:fld>
             <a:endParaRPr lang="en-US"/>
           </a:p>
@@ -4452,14 +4473,14 @@
           </a:ln>
           <a:extLst>
             <a:ext uri="{909E8E84-426E-40dd-AFC4-6F175D3DCCD1}">
-              <a14:hiddenFill xmlns:a14="http://schemas.microsoft.com/office/drawing/2010/main">
+              <a14:hiddenFill xmlns:a14="http://schemas.microsoft.com/office/drawing/2010/main" xmlns="">
                 <a:solidFill>
                   <a:srgbClr val="FFFFFF"/>
                 </a:solidFill>
               </a14:hiddenFill>
             </a:ext>
             <a:ext uri="{91240B29-F687-4f45-9708-019B960494DF}">
-              <a14:hiddenLine xmlns:a14="http://schemas.microsoft.com/office/drawing/2010/main" w="9525">
+              <a14:hiddenLine xmlns:a14="http://schemas.microsoft.com/office/drawing/2010/main" xmlns="" w="9525">
                 <a:solidFill>
                   <a:srgbClr val="000000"/>
                 </a:solidFill>
@@ -4630,14 +4651,14 @@
           </a:ln>
           <a:extLst>
             <a:ext uri="{909E8E84-426E-40dd-AFC4-6F175D3DCCD1}">
-              <a14:hiddenFill xmlns:a14="http://schemas.microsoft.com/office/drawing/2010/main">
+              <a14:hiddenFill xmlns:a14="http://schemas.microsoft.com/office/drawing/2010/main" xmlns="">
                 <a:solidFill>
                   <a:srgbClr val="FFFFFF"/>
                 </a:solidFill>
               </a14:hiddenFill>
             </a:ext>
             <a:ext uri="{91240B29-F687-4f45-9708-019B960494DF}">
-              <a14:hiddenLine xmlns:a14="http://schemas.microsoft.com/office/drawing/2010/main" w="9525">
+              <a14:hiddenLine xmlns:a14="http://schemas.microsoft.com/office/drawing/2010/main" xmlns="" w="9525">
                 <a:solidFill>
                   <a:srgbClr val="000000"/>
                 </a:solidFill>
@@ -4657,7 +4678,7 @@
   <p:timing>
     <p:tnLst>
       <p:par>
-        <p:cTn xmlns:p14="http://schemas.microsoft.com/office/powerpoint/2010/main" id="1" dur="indefinite" restart="never" nodeType="tmRoot"/>
+        <p:cTn id="1" dur="indefinite" restart="never" nodeType="tmRoot"/>
       </p:par>
     </p:tnLst>
   </p:timing>
@@ -5533,14 +5554,14 @@
           </a:ln>
           <a:extLst>
             <a:ext uri="{909E8E84-426E-40dd-AFC4-6F175D3DCCD1}">
-              <a14:hiddenFill xmlns:a14="http://schemas.microsoft.com/office/drawing/2010/main">
+              <a14:hiddenFill xmlns:a14="http://schemas.microsoft.com/office/drawing/2010/main" xmlns="">
                 <a:solidFill>
                   <a:srgbClr val="FFFFFF"/>
                 </a:solidFill>
               </a14:hiddenFill>
             </a:ext>
             <a:ext uri="{91240B29-F687-4f45-9708-019B960494DF}">
-              <a14:hiddenLine xmlns:a14="http://schemas.microsoft.com/office/drawing/2010/main" w="9525">
+              <a14:hiddenLine xmlns:a14="http://schemas.microsoft.com/office/drawing/2010/main" xmlns="" w="9525">
                 <a:solidFill>
                   <a:srgbClr val="000000"/>
                 </a:solidFill>
@@ -5733,7 +5754,7 @@
   <p:timing>
     <p:tnLst>
       <p:par>
-        <p:cTn xmlns:p14="http://schemas.microsoft.com/office/powerpoint/2010/main" id="1" dur="indefinite" restart="never" nodeType="tmRoot">
+        <p:cTn id="1" dur="indefinite" restart="never" nodeType="tmRoot">
           <p:childTnLst>
             <p:seq concurrent="1" nextAc="seek">
               <p:cTn id="2" dur="indefinite" nodeType="mainSeq">
@@ -6219,11 +6240,7 @@
             <a:pPr lvl="1"/>
             <a:r>
               <a:rPr lang="en-US" dirty="0" err="1" smtClean="0"/>
-              <a:t>Cach</a:t>
-            </a:r>
-            <a:r>
-              <a:rPr lang="en-US" dirty="0" err="1" smtClean="0"/>
-              <a:t>é</a:t>
+              <a:t>Caché</a:t>
             </a:r>
             <a:r>
               <a:rPr lang="en-US" dirty="0" smtClean="0"/>
